--- a/002_Angular/lesson_12/Presentation/Controllers_scope.pptx
+++ b/002_Angular/lesson_12/Presentation/Controllers_scope.pptx
@@ -112,6 +112,22 @@
       </a:defRPr>
     </a:lvl9pPr>
   </p:defaultTextStyle>
+  <p:extLst>
+    <p:ext uri="{EFAFB233-063F-42B5-8137-9DF3F51BA10A}">
+      <p15:sldGuideLst xmlns:p15="http://schemas.microsoft.com/office/powerpoint/2012/main">
+        <p15:guide id="1" orient="horz" pos="2160">
+          <p15:clr>
+            <a:srgbClr val="A4A3A4"/>
+          </p15:clr>
+        </p15:guide>
+        <p15:guide id="2" pos="2880">
+          <p15:clr>
+            <a:srgbClr val="A4A3A4"/>
+          </p15:clr>
+        </p15:guide>
+      </p15:sldGuideLst>
+    </p:ext>
+  </p:extLst>
 </p:presentation>
 </file>
 
@@ -197,7 +213,7 @@
           <a:p>
             <a:fld id="{C9E99101-A32B-4AA8-A926-4B284BBBD12A}" type="datetimeFigureOut">
               <a:rPr lang="uk-UA" smtClean="0"/>
-              <a:t>27.06.2016</a:t>
+              <a:t>19.07.2016</a:t>
             </a:fld>
             <a:endParaRPr lang="uk-UA"/>
           </a:p>
@@ -263,35 +279,35 @@
           <a:p>
             <a:pPr lvl="0"/>
             <a:r>
-              <a:rPr lang="ru-RU" smtClean="0"/>
+              <a:rPr lang="ru-RU"/>
               <a:t>Образец текста</a:t>
             </a:r>
           </a:p>
           <a:p>
             <a:pPr lvl="1"/>
             <a:r>
-              <a:rPr lang="ru-RU" smtClean="0"/>
+              <a:rPr lang="ru-RU"/>
               <a:t>Второй уровень</a:t>
             </a:r>
           </a:p>
           <a:p>
             <a:pPr lvl="2"/>
             <a:r>
-              <a:rPr lang="ru-RU" smtClean="0"/>
+              <a:rPr lang="ru-RU"/>
               <a:t>Третий уровень</a:t>
             </a:r>
           </a:p>
           <a:p>
             <a:pPr lvl="3"/>
             <a:r>
-              <a:rPr lang="ru-RU" smtClean="0"/>
+              <a:rPr lang="ru-RU"/>
               <a:t>Четвертый уровень</a:t>
             </a:r>
           </a:p>
           <a:p>
             <a:pPr lvl="4"/>
             <a:r>
-              <a:rPr lang="ru-RU" smtClean="0"/>
+              <a:rPr lang="ru-RU"/>
               <a:t>Пятый уровень</a:t>
             </a:r>
             <a:endParaRPr lang="uk-UA"/>
@@ -598,10 +614,9 @@
           </a:lstStyle>
           <a:p>
             <a:r>
-              <a:rPr lang="en-US" dirty="0" smtClean="0"/>
+              <a:rPr lang="en-US" dirty="0"/>
               <a:t>title style</a:t>
             </a:r>
-            <a:endParaRPr lang="en-US" dirty="0"/>
           </a:p>
         </p:txBody>
       </p:sp>
@@ -721,7 +736,7 @@
           </a:lstStyle>
           <a:p>
             <a:r>
-              <a:rPr lang="ru-RU" smtClean="0"/>
+              <a:rPr lang="ru-RU"/>
               <a:t>Образец подзаголовка</a:t>
             </a:r>
             <a:endParaRPr lang="en-US" dirty="0"/>
@@ -1050,20 +1065,13 @@
     </p:spTree>
     <p:extLst>
       <p:ext uri="{BB962C8B-B14F-4D97-AF65-F5344CB8AC3E}">
-        <p14:creationId xmlns="" xmlns:p14="http://schemas.microsoft.com/office/powerpoint/2010/main" val="3537187278"/>
+        <p14:creationId xmlns:p14="http://schemas.microsoft.com/office/powerpoint/2010/main" val="3537187278"/>
       </p:ext>
     </p:extLst>
   </p:cSld>
   <p:clrMapOvr>
     <a:overrideClrMapping bg1="lt1" tx1="dk1" bg2="lt2" tx2="dk2" accent1="accent1" accent2="accent2" accent3="accent3" accent4="accent4" accent5="accent5" accent6="accent6" hlink="hlink" folHlink="folHlink"/>
   </p:clrMapOvr>
-  <p:timing>
-    <p:tnLst>
-      <p:par>
-        <p:cTn id="1" dur="indefinite" restart="never" nodeType="tmRoot"/>
-      </p:par>
-    </p:tnLst>
-  </p:timing>
 </p:sldLayout>
 </file>
 
@@ -1096,7 +1104,7 @@
           <a:blip r:embed="rId2" cstate="print">
             <a:extLst>
               <a:ext uri="{28A0092B-C50C-407E-A947-70E740481C1C}">
-                <a14:useLocalDpi xmlns="" xmlns:a14="http://schemas.microsoft.com/office/drawing/2010/main" val="0"/>
+                <a14:useLocalDpi xmlns:a14="http://schemas.microsoft.com/office/drawing/2010/main" val="0"/>
               </a:ext>
             </a:extLst>
           </a:blip>
@@ -1120,14 +1128,14 @@
           <a:effectLst/>
           <a:extLst>
             <a:ext uri="{909E8E84-426E-40DD-AFC4-6F175D3DCCD1}">
-              <a14:hiddenFill xmlns="" xmlns:a14="http://schemas.microsoft.com/office/drawing/2010/main">
+              <a14:hiddenFill xmlns:a14="http://schemas.microsoft.com/office/drawing/2010/main">
                 <a:solidFill>
                   <a:schemeClr val="accent1"/>
                 </a:solidFill>
               </a14:hiddenFill>
             </a:ext>
             <a:ext uri="{91240B29-F687-4F45-9708-019B960494DF}">
-              <a14:hiddenLine xmlns="" xmlns:a14="http://schemas.microsoft.com/office/drawing/2010/main" w="9525">
+              <a14:hiddenLine xmlns:a14="http://schemas.microsoft.com/office/drawing/2010/main" w="9525">
                 <a:solidFill>
                   <a:schemeClr val="tx1"/>
                 </a:solidFill>
@@ -1137,7 +1145,7 @@
               </a14:hiddenLine>
             </a:ext>
             <a:ext uri="{AF507438-7753-43E0-B8FC-AC1667EBCBE1}">
-              <a14:hiddenEffects xmlns="" xmlns:a14="http://schemas.microsoft.com/office/drawing/2010/main">
+              <a14:hiddenEffects xmlns:a14="http://schemas.microsoft.com/office/drawing/2010/main">
                 <a:effectLst>
                   <a:outerShdw dist="35921" dir="2700000" algn="ctr" rotWithShape="0">
                     <a:schemeClr val="bg2"/>
@@ -1232,7 +1240,7 @@
           </a:lstStyle>
           <a:p>
             <a:r>
-              <a:rPr lang="ru-RU" smtClean="0"/>
+              <a:rPr lang="ru-RU"/>
               <a:t>Образец заголовка</a:t>
             </a:r>
             <a:endParaRPr lang="en-US" dirty="0"/>
@@ -1269,7 +1277,7 @@
           <a:p>
             <a:pPr lvl="4"/>
             <a:r>
-              <a:rPr lang="en-US" dirty="0" smtClean="0"/>
+              <a:rPr lang="en-US" dirty="0"/>
               <a:t>Subtitle</a:t>
             </a:r>
           </a:p>
@@ -1278,20 +1286,13 @@
     </p:spTree>
     <p:extLst>
       <p:ext uri="{BB962C8B-B14F-4D97-AF65-F5344CB8AC3E}">
-        <p14:creationId xmlns="" xmlns:p14="http://schemas.microsoft.com/office/powerpoint/2010/main" val="2097366919"/>
+        <p14:creationId xmlns:p14="http://schemas.microsoft.com/office/powerpoint/2010/main" val="2097366919"/>
       </p:ext>
     </p:extLst>
   </p:cSld>
   <p:clrMapOvr>
     <a:masterClrMapping/>
   </p:clrMapOvr>
-  <p:timing>
-    <p:tnLst>
-      <p:par>
-        <p:cTn id="1" dur="indefinite" restart="never" nodeType="tmRoot"/>
-      </p:par>
-    </p:tnLst>
-  </p:timing>
 </p:sldLayout>
 </file>
 
@@ -1800,7 +1801,7 @@
     </p:spTree>
     <p:extLst>
       <p:ext uri="{BB962C8B-B14F-4D97-AF65-F5344CB8AC3E}">
-        <p14:creationId xmlns:p14="http://schemas.microsoft.com/office/powerpoint/2010/main" xmlns="" val="3537187278"/>
+        <p14:creationId xmlns:p14="http://schemas.microsoft.com/office/powerpoint/2010/main" val="3537187278"/>
       </p:ext>
     </p:extLst>
   </p:cSld>
@@ -1858,7 +1859,7 @@
           <a:lstStyle/>
           <a:p>
             <a:r>
-              <a:rPr lang="ru-RU" smtClean="0"/>
+              <a:rPr lang="ru-RU"/>
               <a:t>Образец заголовка</a:t>
             </a:r>
             <a:endParaRPr lang="en-US"/>
@@ -1868,7 +1869,7 @@
     </p:spTree>
     <p:extLst>
       <p:ext uri="{BB962C8B-B14F-4D97-AF65-F5344CB8AC3E}">
-        <p14:creationId xmlns="" xmlns:p14="http://schemas.microsoft.com/office/powerpoint/2010/main" val="779007194"/>
+        <p14:creationId xmlns:p14="http://schemas.microsoft.com/office/powerpoint/2010/main" val="779007194"/>
       </p:ext>
     </p:extLst>
   </p:cSld>
@@ -1878,13 +1879,6 @@
     <p:sldLayoutId id="2147483662" r:id="rId2"/>
     <p:sldLayoutId id="2147483663" r:id="rId3"/>
   </p:sldLayoutIdLst>
-  <p:timing>
-    <p:tnLst>
-      <p:par>
-        <p:cTn id="1" dur="indefinite" restart="never" nodeType="tmRoot"/>
-      </p:par>
-    </p:tnLst>
-  </p:timing>
   <p:txStyles>
     <p:titleStyle>
       <a:lvl1pPr algn="ctr" defTabSz="914400" rtl="0" eaLnBrk="1" latinLnBrk="0" hangingPunct="1">
@@ -2224,7 +2218,7 @@
           <a:lstStyle/>
           <a:p>
             <a:r>
-              <a:rPr lang="en-US" sz="2700" dirty="0" smtClean="0">
+              <a:rPr lang="en-US" sz="2700" dirty="0">
                 <a:solidFill>
                   <a:schemeClr val="bg1"/>
                 </a:solidFill>
@@ -2451,7 +2445,7 @@
           <a:blip r:embed="rId3" cstate="print">
             <a:extLst>
               <a:ext uri="{28A0092B-C50C-407E-A947-70E740481C1C}">
-                <a14:useLocalDpi xmlns:a14="http://schemas.microsoft.com/office/drawing/2010/main" xmlns="" val="0"/>
+                <a14:useLocalDpi xmlns:a14="http://schemas.microsoft.com/office/drawing/2010/main" val="0"/>
               </a:ext>
             </a:extLst>
           </a:blip>
@@ -2471,7 +2465,7 @@
           <a:noFill/>
           <a:extLst>
             <a:ext uri="{909E8E84-426E-40DD-AFC4-6F175D3DCCD1}">
-              <a14:hiddenFill xmlns:a14="http://schemas.microsoft.com/office/drawing/2010/main" xmlns="">
+              <a14:hiddenFill xmlns:a14="http://schemas.microsoft.com/office/drawing/2010/main">
                 <a:solidFill>
                   <a:srgbClr val="FFFFFF"/>
                 </a:solidFill>
@@ -2503,7 +2497,7 @@
           <a:lstStyle/>
           <a:p>
             <a:r>
-              <a:rPr lang="ru-RU" sz="4400" dirty="0" smtClean="0">
+              <a:rPr lang="ru-RU" sz="4400" dirty="0">
                 <a:solidFill>
                   <a:srgbClr val="7564BC"/>
                 </a:solidFill>
@@ -2511,7 +2505,7 @@
               <a:t>Контроллеры и</a:t>
             </a:r>
             <a:r>
-              <a:rPr lang="en-US" sz="4400" dirty="0" smtClean="0">
+              <a:rPr lang="en-US" sz="4400" dirty="0">
                 <a:solidFill>
                   <a:srgbClr val="7564BC"/>
                 </a:solidFill>
@@ -2519,20 +2513,12 @@
               <a:t> scope</a:t>
             </a:r>
             <a:r>
-              <a:rPr lang="ru-RU" sz="4400" dirty="0" smtClean="0">
+              <a:rPr lang="ru-RU" sz="4400" dirty="0">
                 <a:solidFill>
                   <a:srgbClr val="7564BC"/>
                 </a:solidFill>
               </a:rPr>
-              <a:t>. Привязк</a:t>
-            </a:r>
-            <a:r>
-              <a:rPr lang="ru-RU" sz="4400" dirty="0" smtClean="0">
-                <a:solidFill>
-                  <a:srgbClr val="7564BC"/>
-                </a:solidFill>
-              </a:rPr>
-              <a:t>а данных</a:t>
+              <a:t>. Привязка данных</a:t>
             </a:r>
             <a:endParaRPr lang="en-US" dirty="0"/>
           </a:p>
@@ -2541,7 +2527,7 @@
     </p:spTree>
     <p:extLst>
       <p:ext uri="{BB962C8B-B14F-4D97-AF65-F5344CB8AC3E}">
-        <p14:creationId xmlns:p14="http://schemas.microsoft.com/office/powerpoint/2010/main" xmlns="" val="3436223543"/>
+        <p14:creationId xmlns:p14="http://schemas.microsoft.com/office/powerpoint/2010/main" val="3436223543"/>
       </p:ext>
     </p:extLst>
   </p:cSld>
@@ -2584,7 +2570,7 @@
           <a:lstStyle/>
           <a:p>
             <a:r>
-              <a:rPr lang="ru-RU" dirty="0" smtClean="0">
+              <a:rPr lang="ru-RU" dirty="0">
                 <a:latin typeface="Calibri" pitchFamily="34" charset="0"/>
               </a:rPr>
               <a:t>Контроллер</a:t>
@@ -2644,162 +2630,159 @@
           <a:lstStyle/>
           <a:p>
             <a:r>
-              <a:rPr lang="ru-RU" sz="2000" dirty="0" smtClean="0">
+              <a:rPr lang="ru-RU" sz="2000" dirty="0">
                 <a:latin typeface="Calibri" pitchFamily="34" charset="0"/>
               </a:rPr>
               <a:t>Контроллер (MV</a:t>
             </a:r>
             <a:r>
-              <a:rPr lang="ru-RU" sz="2000" b="1" dirty="0" smtClean="0">
+              <a:rPr lang="ru-RU" sz="2000" b="1" dirty="0">
                 <a:latin typeface="Calibri" pitchFamily="34" charset="0"/>
               </a:rPr>
               <a:t>C</a:t>
             </a:r>
             <a:r>
-              <a:rPr lang="ru-RU" sz="2000" dirty="0" smtClean="0">
+              <a:rPr lang="ru-RU" sz="2000" dirty="0">
                 <a:latin typeface="Calibri" pitchFamily="34" charset="0"/>
               </a:rPr>
               <a:t>)–логика приложения, соединяет представление и модель.  </a:t>
             </a:r>
           </a:p>
           <a:p>
-            <a:endParaRPr lang="en-US" sz="2000" dirty="0" smtClean="0">
+            <a:endParaRPr lang="en-US" sz="2000" dirty="0">
               <a:latin typeface="Calibri" pitchFamily="34" charset="0"/>
             </a:endParaRPr>
           </a:p>
           <a:p>
-            <a:endParaRPr lang="ru-RU" sz="2000" dirty="0" smtClean="0">
-              <a:latin typeface="Calibri" pitchFamily="34" charset="0"/>
-            </a:endParaRPr>
-          </a:p>
-          <a:p>
-            <a:r>
-              <a:rPr lang="ru-RU" sz="2000" dirty="0" smtClean="0">
-                <a:latin typeface="Calibri" pitchFamily="34" charset="0"/>
-              </a:rPr>
-              <a:t>Контроллер </a:t>
-            </a:r>
-            <a:r>
-              <a:rPr lang="ru-RU" sz="2000" b="1" dirty="0" smtClean="0">
-                <a:latin typeface="Calibri" pitchFamily="34" charset="0"/>
-              </a:rPr>
-              <a:t>должен</a:t>
-            </a:r>
-            <a:r>
-              <a:rPr lang="ru-RU" sz="2000" dirty="0" smtClean="0">
-                <a:latin typeface="Calibri" pitchFamily="34" charset="0"/>
-              </a:rPr>
-              <a:t>:</a:t>
-            </a:r>
-          </a:p>
-          <a:p>
-            <a:endParaRPr lang="ru-RU" sz="2000" dirty="0" smtClean="0">
-              <a:latin typeface="Calibri" pitchFamily="34" charset="0"/>
-            </a:endParaRPr>
-          </a:p>
-          <a:p>
-            <a:r>
-              <a:rPr lang="ru-RU" sz="2000" dirty="0" smtClean="0">
-                <a:latin typeface="Calibri" pitchFamily="34" charset="0"/>
-              </a:rPr>
-              <a:t>•Содержать логику инициализирующую </a:t>
-            </a:r>
-            <a:r>
-              <a:rPr lang="ru-RU" sz="2000" dirty="0" err="1" smtClean="0">
-                <a:latin typeface="Calibri" pitchFamily="34" charset="0"/>
-              </a:rPr>
-              <a:t>scope</a:t>
-            </a:r>
-            <a:r>
-              <a:rPr lang="ru-RU" sz="2000" dirty="0" smtClean="0">
-                <a:latin typeface="Calibri" pitchFamily="34" charset="0"/>
-              </a:rPr>
-              <a:t>.</a:t>
-            </a:r>
-          </a:p>
-          <a:p>
-            <a:r>
-              <a:rPr lang="ru-RU" sz="2000" dirty="0" smtClean="0">
-                <a:latin typeface="Calibri" pitchFamily="34" charset="0"/>
-              </a:rPr>
-              <a:t>•Содержать логику/</a:t>
-            </a:r>
-            <a:r>
-              <a:rPr lang="ru-RU" sz="2000" dirty="0" err="1" smtClean="0">
-                <a:latin typeface="Calibri" pitchFamily="34" charset="0"/>
-              </a:rPr>
-              <a:t>behaviors</a:t>
-            </a:r>
-            <a:r>
-              <a:rPr lang="ru-RU" sz="2000" dirty="0" smtClean="0">
-                <a:latin typeface="Calibri" pitchFamily="34" charset="0"/>
-              </a:rPr>
-              <a:t> необходимую представлению для отображения данных.</a:t>
-            </a:r>
-          </a:p>
-          <a:p>
-            <a:r>
-              <a:rPr lang="ru-RU" sz="2000" dirty="0" smtClean="0">
-                <a:latin typeface="Calibri" pitchFamily="34" charset="0"/>
-              </a:rPr>
-              <a:t>•Содержать логику/</a:t>
-            </a:r>
-            <a:r>
-              <a:rPr lang="ru-RU" sz="2000" dirty="0" err="1" smtClean="0">
-                <a:latin typeface="Calibri" pitchFamily="34" charset="0"/>
-              </a:rPr>
-              <a:t>behaviorsнеобходимую</a:t>
-            </a:r>
-            <a:r>
-              <a:rPr lang="ru-RU" sz="2000" dirty="0" smtClean="0">
-                <a:latin typeface="Calibri" pitchFamily="34" charset="0"/>
-              </a:rPr>
-              <a:t> для обновления данных на основе действий пользователя</a:t>
-            </a:r>
-          </a:p>
-          <a:p>
-            <a:endParaRPr lang="ru-RU" sz="2000" dirty="0" smtClean="0">
-              <a:latin typeface="Calibri" pitchFamily="34" charset="0"/>
-            </a:endParaRPr>
-          </a:p>
-          <a:p>
-            <a:r>
-              <a:rPr lang="ru-RU" sz="2000" dirty="0" smtClean="0">
-                <a:latin typeface="Calibri" pitchFamily="34" charset="0"/>
-              </a:rPr>
-              <a:t>Контроллер </a:t>
-            </a:r>
-            <a:r>
-              <a:rPr lang="ru-RU" sz="2000" b="1" dirty="0" smtClean="0">
-                <a:latin typeface="Calibri" pitchFamily="34" charset="0"/>
-              </a:rPr>
-              <a:t>не должен</a:t>
-            </a:r>
-            <a:r>
-              <a:rPr lang="ru-RU" sz="2000" dirty="0" smtClean="0">
-                <a:latin typeface="Calibri" pitchFamily="34" charset="0"/>
-              </a:rPr>
-              <a:t>:</a:t>
-            </a:r>
-          </a:p>
-          <a:p>
-            <a:r>
-              <a:rPr lang="ru-RU" sz="2000" dirty="0" smtClean="0">
-                <a:latin typeface="Calibri" pitchFamily="34" charset="0"/>
-              </a:rPr>
-              <a:t>•Содержать логику, которая манипулирует DOM</a:t>
-            </a:r>
-          </a:p>
-          <a:p>
-            <a:r>
-              <a:rPr lang="ru-RU" sz="2000" dirty="0" smtClean="0">
-                <a:latin typeface="Calibri" pitchFamily="34" charset="0"/>
-              </a:rPr>
-              <a:t>•Содержать логику, которая управляет сохранением данных (это задача модели)</a:t>
-            </a:r>
             <a:endParaRPr lang="ru-RU" sz="2000" dirty="0">
               <a:latin typeface="Calibri" pitchFamily="34" charset="0"/>
             </a:endParaRPr>
+          </a:p>
+          <a:p>
+            <a:r>
+              <a:rPr lang="ru-RU" sz="2000" dirty="0">
+                <a:latin typeface="Calibri" pitchFamily="34" charset="0"/>
+              </a:rPr>
+              <a:t>Контроллер </a:t>
+            </a:r>
+            <a:r>
+              <a:rPr lang="ru-RU" sz="2000" b="1" dirty="0">
+                <a:latin typeface="Calibri" pitchFamily="34" charset="0"/>
+              </a:rPr>
+              <a:t>должен</a:t>
+            </a:r>
+            <a:r>
+              <a:rPr lang="ru-RU" sz="2000" dirty="0">
+                <a:latin typeface="Calibri" pitchFamily="34" charset="0"/>
+              </a:rPr>
+              <a:t>:</a:t>
+            </a:r>
+          </a:p>
+          <a:p>
+            <a:endParaRPr lang="ru-RU" sz="2000" dirty="0">
+              <a:latin typeface="Calibri" pitchFamily="34" charset="0"/>
+            </a:endParaRPr>
+          </a:p>
+          <a:p>
+            <a:r>
+              <a:rPr lang="ru-RU" sz="2000" dirty="0">
+                <a:latin typeface="Calibri" pitchFamily="34" charset="0"/>
+              </a:rPr>
+              <a:t>•Содержать логику инициализирующую </a:t>
+            </a:r>
+            <a:r>
+              <a:rPr lang="ru-RU" sz="2000" dirty="0" err="1">
+                <a:latin typeface="Calibri" pitchFamily="34" charset="0"/>
+              </a:rPr>
+              <a:t>scope</a:t>
+            </a:r>
+            <a:r>
+              <a:rPr lang="ru-RU" sz="2000" dirty="0">
+                <a:latin typeface="Calibri" pitchFamily="34" charset="0"/>
+              </a:rPr>
+              <a:t>.</a:t>
+            </a:r>
+          </a:p>
+          <a:p>
+            <a:r>
+              <a:rPr lang="ru-RU" sz="2000" dirty="0">
+                <a:latin typeface="Calibri" pitchFamily="34" charset="0"/>
+              </a:rPr>
+              <a:t>•Содержать логику/</a:t>
+            </a:r>
+            <a:r>
+              <a:rPr lang="ru-RU" sz="2000" dirty="0" err="1">
+                <a:latin typeface="Calibri" pitchFamily="34" charset="0"/>
+              </a:rPr>
+              <a:t>behaviors</a:t>
+            </a:r>
+            <a:r>
+              <a:rPr lang="ru-RU" sz="2000" dirty="0">
+                <a:latin typeface="Calibri" pitchFamily="34" charset="0"/>
+              </a:rPr>
+              <a:t> необходимую представлению для отображения данных.</a:t>
+            </a:r>
+          </a:p>
+          <a:p>
+            <a:r>
+              <a:rPr lang="ru-RU" sz="2000" dirty="0">
+                <a:latin typeface="Calibri" pitchFamily="34" charset="0"/>
+              </a:rPr>
+              <a:t>•Содержать логику/</a:t>
+            </a:r>
+            <a:r>
+              <a:rPr lang="ru-RU" sz="2000" dirty="0" err="1">
+                <a:latin typeface="Calibri" pitchFamily="34" charset="0"/>
+              </a:rPr>
+              <a:t>behaviors</a:t>
+            </a:r>
+            <a:r>
+              <a:rPr lang="ru-RU" sz="2000" dirty="0">
+                <a:latin typeface="Calibri" pitchFamily="34" charset="0"/>
+              </a:rPr>
+              <a:t> необходимую для обновления данных на основе действий пользователя</a:t>
+            </a:r>
+          </a:p>
+          <a:p>
+            <a:endParaRPr lang="ru-RU" sz="2000" dirty="0">
+              <a:latin typeface="Calibri" pitchFamily="34" charset="0"/>
+            </a:endParaRPr>
+          </a:p>
+          <a:p>
+            <a:r>
+              <a:rPr lang="ru-RU" sz="2000" dirty="0">
+                <a:latin typeface="Calibri" pitchFamily="34" charset="0"/>
+              </a:rPr>
+              <a:t>Контроллер </a:t>
+            </a:r>
+            <a:r>
+              <a:rPr lang="ru-RU" sz="2000" b="1" dirty="0">
+                <a:latin typeface="Calibri" pitchFamily="34" charset="0"/>
+              </a:rPr>
+              <a:t>не должен</a:t>
+            </a:r>
+            <a:r>
+              <a:rPr lang="ru-RU" sz="2000" dirty="0">
+                <a:latin typeface="Calibri" pitchFamily="34" charset="0"/>
+              </a:rPr>
+              <a:t>:</a:t>
+            </a:r>
+          </a:p>
+          <a:p>
+            <a:r>
+              <a:rPr lang="ru-RU" sz="2000" dirty="0">
+                <a:latin typeface="Calibri" pitchFamily="34" charset="0"/>
+              </a:rPr>
+              <a:t>•Содержать логику, которая манипулирует DOM</a:t>
+            </a:r>
+          </a:p>
+          <a:p>
+            <a:r>
+              <a:rPr lang="ru-RU" sz="2000" dirty="0">
+                <a:latin typeface="Calibri" pitchFamily="34" charset="0"/>
+              </a:rPr>
+              <a:t>•Содержать логику, которая управляет сохранением данных (это задача модели)</a:t>
+            </a:r>
           </a:p>
         </p:txBody>
       </p:sp>
@@ -2844,7 +2827,7 @@
           <a:lstStyle/>
           <a:p>
             <a:r>
-              <a:rPr lang="en-US" dirty="0" smtClean="0">
+              <a:rPr lang="en-US" dirty="0">
                 <a:latin typeface="Calibri" pitchFamily="34" charset="0"/>
               </a:rPr>
               <a:t>Scope</a:t>
@@ -2906,68 +2889,68 @@
           <a:lstStyle/>
           <a:p>
             <a:r>
-              <a:rPr lang="en-US" sz="2000" b="1" dirty="0" smtClean="0">
+              <a:rPr lang="en-US" sz="2000" b="1" dirty="0">
                 <a:latin typeface="Calibri" pitchFamily="34" charset="0"/>
               </a:rPr>
               <a:t>S</a:t>
             </a:r>
             <a:r>
-              <a:rPr lang="ru-RU" sz="2000" b="1" dirty="0" err="1" smtClean="0">
+              <a:rPr lang="ru-RU" sz="2000" b="1" dirty="0" err="1">
                 <a:latin typeface="Calibri" pitchFamily="34" charset="0"/>
               </a:rPr>
               <a:t>cope</a:t>
             </a:r>
             <a:r>
-              <a:rPr lang="ru-RU" sz="2000" dirty="0" smtClean="0">
+              <a:rPr lang="ru-RU" sz="2000" dirty="0">
                 <a:latin typeface="Calibri" pitchFamily="34" charset="0"/>
               </a:rPr>
               <a:t>–объект, который позволяет связать пользовательский интерфейс с контроллером.</a:t>
             </a:r>
             <a:r>
-              <a:rPr lang="en-US" sz="2000" dirty="0" smtClean="0">
+              <a:rPr lang="en-US" sz="2000" dirty="0">
                 <a:latin typeface="Calibri" pitchFamily="34" charset="0"/>
               </a:rPr>
               <a:t> </a:t>
             </a:r>
           </a:p>
           <a:p>
-            <a:endParaRPr lang="ru-RU" sz="2000" dirty="0" smtClean="0">
+            <a:endParaRPr lang="ru-RU" sz="2000" dirty="0">
               <a:latin typeface="Calibri" pitchFamily="34" charset="0"/>
             </a:endParaRPr>
           </a:p>
           <a:p>
             <a:r>
-              <a:rPr lang="ru-RU" sz="2000" dirty="0" err="1" smtClean="0">
+              <a:rPr lang="ru-RU" sz="2000" dirty="0" err="1">
                 <a:latin typeface="Calibri" pitchFamily="34" charset="0"/>
               </a:rPr>
               <a:t>Scope</a:t>
             </a:r>
             <a:r>
-              <a:rPr lang="ru-RU" sz="2000" dirty="0" smtClean="0">
+              <a:rPr lang="ru-RU" sz="2000" dirty="0">
                 <a:latin typeface="Calibri" pitchFamily="34" charset="0"/>
               </a:rPr>
               <a:t> организовываются в иерархическую структуру, в котором корневым элементом выступает </a:t>
             </a:r>
             <a:r>
-              <a:rPr lang="ru-RU" sz="2000" b="1" dirty="0" smtClean="0">
+              <a:rPr lang="ru-RU" sz="2000" b="1" dirty="0">
                 <a:latin typeface="Calibri" pitchFamily="34" charset="0"/>
               </a:rPr>
               <a:t>$</a:t>
             </a:r>
             <a:r>
-              <a:rPr lang="ru-RU" sz="2000" b="1" dirty="0" err="1" smtClean="0">
+              <a:rPr lang="ru-RU" sz="2000" b="1" dirty="0" err="1">
                 <a:latin typeface="Calibri" pitchFamily="34" charset="0"/>
               </a:rPr>
               <a:t>rootScope</a:t>
             </a:r>
             <a:r>
-              <a:rPr lang="ru-RU" sz="2000" dirty="0" smtClean="0">
+              <a:rPr lang="ru-RU" sz="2000" dirty="0">
                 <a:latin typeface="Calibri" pitchFamily="34" charset="0"/>
               </a:rPr>
               <a:t>. Дочерние элементы формируются на основе созданных контроллеров в соответствии с размещением в DOM дереве.</a:t>
             </a:r>
             <a:r>
-              <a:rPr lang="en-US" sz="2000" dirty="0" smtClean="0">
+              <a:rPr lang="en-US" sz="2000" dirty="0">
                 <a:latin typeface="Calibri" pitchFamily="34" charset="0"/>
               </a:rPr>
               <a:t> </a:t>
@@ -3058,7 +3041,7 @@
           <a:lstStyle/>
           <a:p>
             <a:r>
-              <a:rPr lang="ru-RU" dirty="0" smtClean="0"/>
+              <a:rPr lang="ru-RU" dirty="0"/>
               <a:t>Контроллер</a:t>
             </a:r>
             <a:endParaRPr lang="uk-UA" dirty="0"/>
@@ -3120,19 +3103,19 @@
           <a:lstStyle/>
           <a:p>
             <a:r>
-              <a:rPr lang="ru-RU" dirty="0" smtClean="0">
+              <a:rPr lang="ru-RU" dirty="0">
                 <a:latin typeface="Calibri" pitchFamily="34" charset="0"/>
               </a:rPr>
               <a:t>При повторном использовании одного и того же контроллера, необходимо помнить о том, что каждый экземпляр контроллера работает со своим собственным объектом </a:t>
             </a:r>
             <a:r>
-              <a:rPr lang="ru-RU" dirty="0" err="1" smtClean="0">
+              <a:rPr lang="ru-RU" dirty="0" err="1">
                 <a:latin typeface="Calibri" pitchFamily="34" charset="0"/>
               </a:rPr>
               <a:t>scope</a:t>
             </a:r>
             <a:r>
-              <a:rPr lang="ru-RU" dirty="0" smtClean="0">
+              <a:rPr lang="ru-RU" dirty="0">
                 <a:latin typeface="Calibri" pitchFamily="34" charset="0"/>
               </a:rPr>
               <a:t>.</a:t>
@@ -3184,7 +3167,7 @@
           <a:lstStyle/>
           <a:p>
             <a:r>
-              <a:rPr lang="ru-RU" dirty="0" smtClean="0"/>
+              <a:rPr lang="ru-RU" dirty="0"/>
               <a:t>Однонаправленная привязка данных</a:t>
             </a:r>
             <a:endParaRPr lang="uk-UA" dirty="0"/>
@@ -3246,32 +3229,32 @@
           <a:lstStyle/>
           <a:p>
             <a:r>
-              <a:rPr lang="ru-RU" dirty="0" smtClean="0">
+              <a:rPr lang="ru-RU" dirty="0">
                 <a:latin typeface="Calibri" pitchFamily="34" charset="0"/>
               </a:rPr>
               <a:t>Данные из модели отображаются в представлении.  </a:t>
             </a:r>
           </a:p>
           <a:p>
-            <a:endParaRPr lang="ru-RU" dirty="0" smtClean="0">
+            <a:endParaRPr lang="ru-RU" dirty="0">
               <a:latin typeface="Calibri" pitchFamily="34" charset="0"/>
             </a:endParaRPr>
           </a:p>
           <a:p>
             <a:r>
-              <a:rPr lang="ru-RU" dirty="0" smtClean="0">
+              <a:rPr lang="ru-RU" dirty="0">
                 <a:latin typeface="Calibri" pitchFamily="34" charset="0"/>
               </a:rPr>
               <a:t>При изменении данных в представлении модель </a:t>
             </a:r>
             <a:r>
-              <a:rPr lang="ru-RU" i="1" dirty="0" smtClean="0">
+              <a:rPr lang="ru-RU" i="1" dirty="0">
                 <a:latin typeface="Calibri" pitchFamily="34" charset="0"/>
               </a:rPr>
               <a:t>не меняется</a:t>
             </a:r>
             <a:r>
-              <a:rPr lang="ru-RU" dirty="0" smtClean="0">
+              <a:rPr lang="ru-RU" dirty="0">
                 <a:latin typeface="Calibri" pitchFamily="34" charset="0"/>
               </a:rPr>
               <a:t>.</a:t>
@@ -3279,49 +3262,49 @@
           </a:p>
           <a:p>
             <a:r>
-              <a:rPr lang="ru-RU" dirty="0" smtClean="0">
+              <a:rPr lang="ru-RU" dirty="0">
                 <a:latin typeface="Calibri" pitchFamily="34" charset="0"/>
               </a:rPr>
               <a:t>Для привязки используется: </a:t>
             </a:r>
           </a:p>
           <a:p>
-            <a:endParaRPr lang="ru-RU" dirty="0" smtClean="0">
+            <a:endParaRPr lang="ru-RU" dirty="0">
               <a:latin typeface="Calibri" pitchFamily="34" charset="0"/>
             </a:endParaRPr>
           </a:p>
           <a:p>
             <a:r>
-              <a:rPr lang="ru-RU" dirty="0" smtClean="0">
+              <a:rPr lang="ru-RU" dirty="0">
                 <a:latin typeface="Calibri" pitchFamily="34" charset="0"/>
               </a:rPr>
               <a:t>директивы </a:t>
             </a:r>
             <a:r>
-              <a:rPr lang="ru-RU" b="1" dirty="0" err="1" smtClean="0">
+              <a:rPr lang="ru-RU" b="1" dirty="0" err="1">
                 <a:latin typeface="Calibri" pitchFamily="34" charset="0"/>
               </a:rPr>
               <a:t>ng-bind</a:t>
             </a:r>
-            <a:endParaRPr lang="ru-RU" dirty="0" smtClean="0">
+            <a:endParaRPr lang="ru-RU" dirty="0">
               <a:latin typeface="Calibri" pitchFamily="34" charset="0"/>
             </a:endParaRPr>
           </a:p>
           <a:p>
             <a:r>
-              <a:rPr lang="ru-RU" dirty="0" smtClean="0">
+              <a:rPr lang="ru-RU" dirty="0">
                 <a:latin typeface="Calibri" pitchFamily="34" charset="0"/>
               </a:rPr>
               <a:t>или </a:t>
             </a:r>
             <a:r>
-              <a:rPr lang="ru-RU" b="1" dirty="0" err="1" smtClean="0">
+              <a:rPr lang="ru-RU" b="1" dirty="0" err="1">
                 <a:latin typeface="Calibri" pitchFamily="34" charset="0"/>
               </a:rPr>
               <a:t>ng-bind-template</a:t>
             </a:r>
             <a:r>
-              <a:rPr lang="ru-RU" dirty="0" smtClean="0">
+              <a:rPr lang="ru-RU" dirty="0">
                 <a:latin typeface="Calibri" pitchFamily="34" charset="0"/>
               </a:rPr>
               <a:t>.</a:t>
@@ -3329,30 +3312,30 @@
           </a:p>
           <a:p>
             <a:r>
-              <a:rPr lang="ru-RU" dirty="0" smtClean="0">
+              <a:rPr lang="ru-RU" dirty="0">
                 <a:latin typeface="Calibri" pitchFamily="34" charset="0"/>
               </a:rPr>
               <a:t>выражение </a:t>
             </a:r>
             <a:r>
-              <a:rPr lang="ru-RU" b="1" dirty="0" smtClean="0">
+              <a:rPr lang="ru-RU" b="1" dirty="0">
                 <a:latin typeface="Calibri" pitchFamily="34" charset="0"/>
               </a:rPr>
               <a:t>{{ </a:t>
             </a:r>
             <a:r>
-              <a:rPr lang="ru-RU" b="1" dirty="0" err="1" smtClean="0">
+              <a:rPr lang="ru-RU" b="1" dirty="0" err="1">
                 <a:latin typeface="Calibri" pitchFamily="34" charset="0"/>
               </a:rPr>
               <a:t>expression</a:t>
             </a:r>
             <a:r>
-              <a:rPr lang="ru-RU" b="1" dirty="0" smtClean="0">
+              <a:rPr lang="ru-RU" b="1" dirty="0">
                 <a:latin typeface="Calibri" pitchFamily="34" charset="0"/>
               </a:rPr>
               <a:t> }}.</a:t>
             </a:r>
-            <a:endParaRPr lang="ru-RU" dirty="0" smtClean="0">
+            <a:endParaRPr lang="ru-RU" dirty="0">
               <a:latin typeface="Calibri" pitchFamily="34" charset="0"/>
             </a:endParaRPr>
           </a:p>
@@ -3404,7 +3387,7 @@
           <a:lstStyle/>
           <a:p>
             <a:r>
-              <a:rPr lang="ru-RU" dirty="0" smtClean="0"/>
+              <a:rPr lang="ru-RU" dirty="0"/>
               <a:t>Двунаправленная привязка данных</a:t>
             </a:r>
             <a:endParaRPr lang="uk-UA" dirty="0"/>
@@ -3467,7 +3450,7 @@
           <a:p>
             <a:pPr algn="just"/>
             <a:r>
-              <a:rPr lang="ru-RU" dirty="0" smtClean="0">
+              <a:rPr lang="ru-RU" dirty="0">
                 <a:latin typeface="Calibri" pitchFamily="34" charset="0"/>
               </a:rPr>
               <a:t>Данные из модели отображаются в представлении, изменения внесенные пользователем в представлении, меняют модель.</a:t>
@@ -3482,7 +3465,7 @@
           <a:p>
             <a:pPr algn="just"/>
             <a:r>
-              <a:rPr lang="ru-RU" dirty="0" smtClean="0">
+              <a:rPr lang="ru-RU" dirty="0">
                 <a:latin typeface="Calibri" pitchFamily="34" charset="0"/>
               </a:rPr>
               <a:t>Для создания привязки используется </a:t>
@@ -3491,19 +3474,19 @@
           <a:p>
             <a:pPr algn="just"/>
             <a:r>
-              <a:rPr lang="ru-RU" dirty="0" smtClean="0">
+              <a:rPr lang="ru-RU" dirty="0">
                 <a:latin typeface="Calibri" pitchFamily="34" charset="0"/>
               </a:rPr>
               <a:t>директива </a:t>
             </a:r>
             <a:r>
-              <a:rPr lang="ru-RU" b="1" dirty="0" err="1" smtClean="0">
+              <a:rPr lang="ru-RU" b="1" dirty="0" err="1">
                 <a:latin typeface="Calibri" pitchFamily="34" charset="0"/>
               </a:rPr>
               <a:t>ng-model</a:t>
             </a:r>
             <a:r>
-              <a:rPr lang="ru-RU" dirty="0" smtClean="0">
+              <a:rPr lang="ru-RU" dirty="0">
                 <a:latin typeface="Calibri" pitchFamily="34" charset="0"/>
               </a:rPr>
               <a:t>. </a:t>
@@ -3511,26 +3494,26 @@
           </a:p>
           <a:p>
             <a:pPr algn="just"/>
-            <a:endParaRPr lang="ru-RU" dirty="0" smtClean="0">
+            <a:endParaRPr lang="ru-RU" dirty="0">
               <a:latin typeface="Calibri" pitchFamily="34" charset="0"/>
             </a:endParaRPr>
           </a:p>
           <a:p>
             <a:pPr algn="just"/>
             <a:r>
-              <a:rPr lang="ru-RU" dirty="0" smtClean="0">
+              <a:rPr lang="ru-RU" dirty="0">
                 <a:latin typeface="Calibri" pitchFamily="34" charset="0"/>
               </a:rPr>
               <a:t>Двусторонняя привязка может быть применена только к элементам управления, которые </a:t>
             </a:r>
             <a:r>
-              <a:rPr lang="ru-RU" i="1" dirty="0" smtClean="0">
+              <a:rPr lang="ru-RU" i="1" dirty="0">
                 <a:latin typeface="Calibri" pitchFamily="34" charset="0"/>
               </a:rPr>
               <a:t>могут получать пользовательский ввод</a:t>
             </a:r>
             <a:r>
-              <a:rPr lang="ru-RU" dirty="0" smtClean="0">
+              <a:rPr lang="ru-RU" dirty="0">
                 <a:latin typeface="Calibri" pitchFamily="34" charset="0"/>
               </a:rPr>
               <a:t>.</a:t>

--- a/002_Angular/lesson_12/Presentation/Controllers_scope.pptx
+++ b/002_Angular/lesson_12/Presentation/Controllers_scope.pptx
@@ -213,7 +213,7 @@
           <a:p>
             <a:fld id="{C9E99101-A32B-4AA8-A926-4B284BBBD12A}" type="datetimeFigureOut">
               <a:rPr lang="uk-UA" smtClean="0"/>
-              <a:t>19.07.2016</a:t>
+              <a:t>10.08.2016</a:t>
             </a:fld>
             <a:endParaRPr lang="uk-UA"/>
           </a:p>
@@ -2222,7 +2222,7 @@
                 <a:solidFill>
                   <a:schemeClr val="bg1"/>
                 </a:solidFill>
-                <a:latin typeface="Roboto Thin" panose="02000000000000000000" pitchFamily="2" charset="0"/>
+                <a:latin typeface="Calibri Light" panose="020F0302020204030204" pitchFamily="34" charset="0"/>
                 <a:ea typeface="Roboto Thin" panose="02000000000000000000" pitchFamily="2" charset="0"/>
                 <a:cs typeface="Roboto Thin" panose="02000000000000000000" pitchFamily="2" charset="0"/>
               </a:rPr>
@@ -2232,248 +2232,13 @@
               <a:solidFill>
                 <a:srgbClr val="7564BC"/>
               </a:solidFill>
-              <a:latin typeface="Roboto Thin" panose="02000000000000000000" pitchFamily="2" charset="0"/>
+              <a:latin typeface="Calibri Light" panose="020F0302020204030204" pitchFamily="34" charset="0"/>
               <a:ea typeface="Roboto Thin" panose="02000000000000000000" pitchFamily="2" charset="0"/>
               <a:cs typeface="Roboto Thin" panose="02000000000000000000" pitchFamily="2" charset="0"/>
             </a:endParaRPr>
           </a:p>
         </p:txBody>
       </p:sp>
-      <p:sp>
-        <p:nvSpPr>
-          <p:cNvPr id="6" name="Subtitle 2"/>
-          <p:cNvSpPr txBox="1">
-            <a:spLocks/>
-          </p:cNvSpPr>
-          <p:nvPr/>
-        </p:nvSpPr>
-        <p:spPr>
-          <a:xfrm>
-            <a:off x="806449" y="1281006"/>
-            <a:ext cx="6322695" cy="507831"/>
-          </a:xfrm>
-          <a:prstGeom prst="rect">
-            <a:avLst/>
-          </a:prstGeom>
-        </p:spPr>
-        <p:txBody>
-          <a:bodyPr wrap="square">
-            <a:spAutoFit/>
-          </a:bodyPr>
-          <a:lstStyle>
-            <a:lvl1pPr marL="0" indent="0" algn="l" defTabSz="914400" rtl="0" eaLnBrk="1" latinLnBrk="0" hangingPunct="1">
-              <a:spcBef>
-                <a:spcPct val="20000"/>
-              </a:spcBef>
-              <a:buFont typeface="Arial" pitchFamily="34" charset="0"/>
-              <a:buNone/>
-              <a:defRPr sz="3200" kern="1200">
-                <a:solidFill>
-                  <a:schemeClr val="tx1">
-                    <a:tint val="75000"/>
-                  </a:schemeClr>
-                </a:solidFill>
-                <a:latin typeface="+mj-lt"/>
-                <a:ea typeface="+mn-ea"/>
-                <a:cs typeface="+mn-cs"/>
-              </a:defRPr>
-            </a:lvl1pPr>
-            <a:lvl2pPr marL="457200" indent="0" algn="ctr" defTabSz="914400" rtl="0" eaLnBrk="1" latinLnBrk="0" hangingPunct="1">
-              <a:spcBef>
-                <a:spcPct val="20000"/>
-              </a:spcBef>
-              <a:buFont typeface="Arial" pitchFamily="34" charset="0"/>
-              <a:buNone/>
-              <a:defRPr sz="2800" kern="1200">
-                <a:solidFill>
-                  <a:schemeClr val="tx1">
-                    <a:tint val="75000"/>
-                  </a:schemeClr>
-                </a:solidFill>
-                <a:latin typeface="+mn-lt"/>
-                <a:ea typeface="+mn-ea"/>
-                <a:cs typeface="+mn-cs"/>
-              </a:defRPr>
-            </a:lvl2pPr>
-            <a:lvl3pPr marL="914400" indent="0" algn="ctr" defTabSz="914400" rtl="0" eaLnBrk="1" latinLnBrk="0" hangingPunct="1">
-              <a:spcBef>
-                <a:spcPct val="20000"/>
-              </a:spcBef>
-              <a:buFont typeface="Arial" pitchFamily="34" charset="0"/>
-              <a:buNone/>
-              <a:defRPr sz="2400" kern="1200">
-                <a:solidFill>
-                  <a:schemeClr val="tx1">
-                    <a:tint val="75000"/>
-                  </a:schemeClr>
-                </a:solidFill>
-                <a:latin typeface="+mn-lt"/>
-                <a:ea typeface="+mn-ea"/>
-                <a:cs typeface="+mn-cs"/>
-              </a:defRPr>
-            </a:lvl3pPr>
-            <a:lvl4pPr marL="1371600" indent="0" algn="ctr" defTabSz="914400" rtl="0" eaLnBrk="1" latinLnBrk="0" hangingPunct="1">
-              <a:spcBef>
-                <a:spcPct val="20000"/>
-              </a:spcBef>
-              <a:buFont typeface="Arial" pitchFamily="34" charset="0"/>
-              <a:buNone/>
-              <a:defRPr sz="2000" kern="1200">
-                <a:solidFill>
-                  <a:schemeClr val="tx1">
-                    <a:tint val="75000"/>
-                  </a:schemeClr>
-                </a:solidFill>
-                <a:latin typeface="+mn-lt"/>
-                <a:ea typeface="+mn-ea"/>
-                <a:cs typeface="+mn-cs"/>
-              </a:defRPr>
-            </a:lvl4pPr>
-            <a:lvl5pPr marL="1828800" indent="0" algn="ctr" defTabSz="914400" rtl="0" eaLnBrk="1" latinLnBrk="0" hangingPunct="1">
-              <a:spcBef>
-                <a:spcPct val="20000"/>
-              </a:spcBef>
-              <a:buFont typeface="Arial" pitchFamily="34" charset="0"/>
-              <a:buNone/>
-              <a:defRPr sz="2000" kern="1200">
-                <a:solidFill>
-                  <a:schemeClr val="tx1">
-                    <a:tint val="75000"/>
-                  </a:schemeClr>
-                </a:solidFill>
-                <a:latin typeface="+mn-lt"/>
-                <a:ea typeface="+mn-ea"/>
-                <a:cs typeface="+mn-cs"/>
-              </a:defRPr>
-            </a:lvl5pPr>
-            <a:lvl6pPr marL="2286000" indent="0" algn="ctr" defTabSz="914400" rtl="0" eaLnBrk="1" latinLnBrk="0" hangingPunct="1">
-              <a:spcBef>
-                <a:spcPct val="20000"/>
-              </a:spcBef>
-              <a:buFont typeface="Arial" pitchFamily="34" charset="0"/>
-              <a:buNone/>
-              <a:defRPr sz="2000" kern="1200">
-                <a:solidFill>
-                  <a:schemeClr val="tx1">
-                    <a:tint val="75000"/>
-                  </a:schemeClr>
-                </a:solidFill>
-                <a:latin typeface="+mn-lt"/>
-                <a:ea typeface="+mn-ea"/>
-                <a:cs typeface="+mn-cs"/>
-              </a:defRPr>
-            </a:lvl6pPr>
-            <a:lvl7pPr marL="2743200" indent="0" algn="ctr" defTabSz="914400" rtl="0" eaLnBrk="1" latinLnBrk="0" hangingPunct="1">
-              <a:spcBef>
-                <a:spcPct val="20000"/>
-              </a:spcBef>
-              <a:buFont typeface="Arial" pitchFamily="34" charset="0"/>
-              <a:buNone/>
-              <a:defRPr sz="2000" kern="1200">
-                <a:solidFill>
-                  <a:schemeClr val="tx1">
-                    <a:tint val="75000"/>
-                  </a:schemeClr>
-                </a:solidFill>
-                <a:latin typeface="+mn-lt"/>
-                <a:ea typeface="+mn-ea"/>
-                <a:cs typeface="+mn-cs"/>
-              </a:defRPr>
-            </a:lvl7pPr>
-            <a:lvl8pPr marL="3200400" indent="0" algn="ctr" defTabSz="914400" rtl="0" eaLnBrk="1" latinLnBrk="0" hangingPunct="1">
-              <a:spcBef>
-                <a:spcPct val="20000"/>
-              </a:spcBef>
-              <a:buFont typeface="Arial" pitchFamily="34" charset="0"/>
-              <a:buNone/>
-              <a:defRPr sz="2000" kern="1200">
-                <a:solidFill>
-                  <a:schemeClr val="tx1">
-                    <a:tint val="75000"/>
-                  </a:schemeClr>
-                </a:solidFill>
-                <a:latin typeface="+mn-lt"/>
-                <a:ea typeface="+mn-ea"/>
-                <a:cs typeface="+mn-cs"/>
-              </a:defRPr>
-            </a:lvl8pPr>
-            <a:lvl9pPr marL="3657600" indent="0" algn="ctr" defTabSz="914400" rtl="0" eaLnBrk="1" latinLnBrk="0" hangingPunct="1">
-              <a:spcBef>
-                <a:spcPct val="20000"/>
-              </a:spcBef>
-              <a:buFont typeface="Arial" pitchFamily="34" charset="0"/>
-              <a:buNone/>
-              <a:defRPr sz="2000" kern="1200">
-                <a:solidFill>
-                  <a:schemeClr val="tx1">
-                    <a:tint val="75000"/>
-                  </a:schemeClr>
-                </a:solidFill>
-                <a:latin typeface="+mn-lt"/>
-                <a:ea typeface="+mn-ea"/>
-                <a:cs typeface="+mn-cs"/>
-              </a:defRPr>
-            </a:lvl9pPr>
-          </a:lstStyle>
-          <a:p>
-            <a:r>
-              <a:rPr lang="en-US" sz="2700" dirty="0">
-                <a:solidFill>
-                  <a:schemeClr val="tx1">
-                    <a:lumMod val="90000"/>
-                    <a:lumOff val="10000"/>
-                  </a:schemeClr>
-                </a:solidFill>
-                <a:latin typeface="Roboto Light" panose="02000000000000000000" pitchFamily="2" charset="0"/>
-                <a:ea typeface="Roboto Light" panose="02000000000000000000" pitchFamily="2" charset="0"/>
-                <a:cs typeface="Roboto Light" panose="02000000000000000000" pitchFamily="2" charset="0"/>
-              </a:rPr>
-              <a:t>The JavaScript Programming Language</a:t>
-            </a:r>
-          </a:p>
-        </p:txBody>
-      </p:sp>
-      <p:pic>
-        <p:nvPicPr>
-          <p:cNvPr id="1028" name="Picture 4" descr="C:\Users\Darick\Desktop\Mmww2.png"/>
-          <p:cNvPicPr>
-            <a:picLocks noChangeAspect="1" noChangeArrowheads="1"/>
-          </p:cNvPicPr>
-          <p:nvPr/>
-        </p:nvPicPr>
-        <p:blipFill>
-          <a:blip r:embed="rId3" cstate="print">
-            <a:extLst>
-              <a:ext uri="{28A0092B-C50C-407E-A947-70E740481C1C}">
-                <a14:useLocalDpi xmlns:a14="http://schemas.microsoft.com/office/drawing/2010/main" val="0"/>
-              </a:ext>
-            </a:extLst>
-          </a:blip>
-          <a:srcRect/>
-          <a:stretch>
-            <a:fillRect/>
-          </a:stretch>
-        </p:blipFill>
-        <p:spPr bwMode="auto">
-          <a:xfrm>
-            <a:off x="1" y="698501"/>
-            <a:ext cx="809625" cy="1079500"/>
-          </a:xfrm>
-          <a:prstGeom prst="rect">
-            <a:avLst/>
-          </a:prstGeom>
-          <a:noFill/>
-          <a:extLst>
-            <a:ext uri="{909E8E84-426E-40DD-AFC4-6F175D3DCCD1}">
-              <a14:hiddenFill xmlns:a14="http://schemas.microsoft.com/office/drawing/2010/main">
-                <a:solidFill>
-                  <a:srgbClr val="FFFFFF"/>
-                </a:solidFill>
-              </a14:hiddenFill>
-            </a:ext>
-          </a:extLst>
-        </p:spPr>
-      </p:pic>
       <p:sp>
         <p:nvSpPr>
           <p:cNvPr id="5" name="TextBox 4"/>
@@ -2501,6 +2266,7 @@
                 <a:solidFill>
                   <a:srgbClr val="7564BC"/>
                 </a:solidFill>
+                <a:latin typeface="Calibri" panose="020F0502020204030204" pitchFamily="34" charset="0"/>
               </a:rPr>
               <a:t>Контроллеры и</a:t>
             </a:r>
@@ -2509,6 +2275,7 @@
                 <a:solidFill>
                   <a:srgbClr val="7564BC"/>
                 </a:solidFill>
+                <a:latin typeface="Calibri" panose="020F0502020204030204" pitchFamily="34" charset="0"/>
               </a:rPr>
               <a:t> scope</a:t>
             </a:r>
@@ -2517,13 +2284,462 @@
                 <a:solidFill>
                   <a:srgbClr val="7564BC"/>
                 </a:solidFill>
+                <a:latin typeface="Calibri" panose="020F0502020204030204" pitchFamily="34" charset="0"/>
               </a:rPr>
               <a:t>. Привязка данных</a:t>
             </a:r>
-            <a:endParaRPr lang="en-US" dirty="0"/>
-          </a:p>
-        </p:txBody>
-      </p:sp>
+            <a:endParaRPr lang="en-US" dirty="0">
+              <a:latin typeface="Calibri" panose="020F0502020204030204" pitchFamily="34" charset="0"/>
+            </a:endParaRPr>
+          </a:p>
+        </p:txBody>
+      </p:sp>
+      <p:grpSp>
+        <p:nvGrpSpPr>
+          <p:cNvPr id="8" name="Group 7"/>
+          <p:cNvGrpSpPr/>
+          <p:nvPr/>
+        </p:nvGrpSpPr>
+        <p:grpSpPr>
+          <a:xfrm>
+            <a:off x="1095828" y="1268760"/>
+            <a:ext cx="7890676" cy="981439"/>
+            <a:chOff x="976312" y="1284918"/>
+            <a:chExt cx="7890676" cy="981439"/>
+          </a:xfrm>
+        </p:grpSpPr>
+        <p:sp>
+          <p:nvSpPr>
+            <p:cNvPr id="9" name="Subtitle 2"/>
+            <p:cNvSpPr txBox="1">
+              <a:spLocks/>
+            </p:cNvSpPr>
+            <p:nvPr/>
+          </p:nvSpPr>
+          <p:spPr>
+            <a:xfrm>
+              <a:off x="1888060" y="1521428"/>
+              <a:ext cx="6322695" cy="507831"/>
+            </a:xfrm>
+            <a:prstGeom prst="rect">
+              <a:avLst/>
+            </a:prstGeom>
+          </p:spPr>
+          <p:txBody>
+            <a:bodyPr wrap="square">
+              <a:spAutoFit/>
+            </a:bodyPr>
+            <a:lstStyle>
+              <a:lvl1pPr marL="0" indent="0" algn="l" defTabSz="914400" rtl="0" eaLnBrk="1" latinLnBrk="0" hangingPunct="1">
+                <a:spcBef>
+                  <a:spcPct val="20000"/>
+                </a:spcBef>
+                <a:buFont typeface="Arial" pitchFamily="34" charset="0"/>
+                <a:buNone/>
+                <a:defRPr sz="3200" kern="1200">
+                  <a:solidFill>
+                    <a:schemeClr val="tx1">
+                      <a:tint val="75000"/>
+                    </a:schemeClr>
+                  </a:solidFill>
+                  <a:latin typeface="+mj-lt"/>
+                  <a:ea typeface="+mn-ea"/>
+                  <a:cs typeface="+mn-cs"/>
+                </a:defRPr>
+              </a:lvl1pPr>
+              <a:lvl2pPr marL="457200" indent="0" algn="ctr" defTabSz="914400" rtl="0" eaLnBrk="1" latinLnBrk="0" hangingPunct="1">
+                <a:spcBef>
+                  <a:spcPct val="20000"/>
+                </a:spcBef>
+                <a:buFont typeface="Arial" pitchFamily="34" charset="0"/>
+                <a:buNone/>
+                <a:defRPr sz="2800" kern="1200">
+                  <a:solidFill>
+                    <a:schemeClr val="tx1">
+                      <a:tint val="75000"/>
+                    </a:schemeClr>
+                  </a:solidFill>
+                  <a:latin typeface="+mn-lt"/>
+                  <a:ea typeface="+mn-ea"/>
+                  <a:cs typeface="+mn-cs"/>
+                </a:defRPr>
+              </a:lvl2pPr>
+              <a:lvl3pPr marL="914400" indent="0" algn="ctr" defTabSz="914400" rtl="0" eaLnBrk="1" latinLnBrk="0" hangingPunct="1">
+                <a:spcBef>
+                  <a:spcPct val="20000"/>
+                </a:spcBef>
+                <a:buFont typeface="Arial" pitchFamily="34" charset="0"/>
+                <a:buNone/>
+                <a:defRPr sz="2400" kern="1200">
+                  <a:solidFill>
+                    <a:schemeClr val="tx1">
+                      <a:tint val="75000"/>
+                    </a:schemeClr>
+                  </a:solidFill>
+                  <a:latin typeface="+mn-lt"/>
+                  <a:ea typeface="+mn-ea"/>
+                  <a:cs typeface="+mn-cs"/>
+                </a:defRPr>
+              </a:lvl3pPr>
+              <a:lvl4pPr marL="1371600" indent="0" algn="ctr" defTabSz="914400" rtl="0" eaLnBrk="1" latinLnBrk="0" hangingPunct="1">
+                <a:spcBef>
+                  <a:spcPct val="20000"/>
+                </a:spcBef>
+                <a:buFont typeface="Arial" pitchFamily="34" charset="0"/>
+                <a:buNone/>
+                <a:defRPr sz="2000" kern="1200">
+                  <a:solidFill>
+                    <a:schemeClr val="tx1">
+                      <a:tint val="75000"/>
+                    </a:schemeClr>
+                  </a:solidFill>
+                  <a:latin typeface="+mn-lt"/>
+                  <a:ea typeface="+mn-ea"/>
+                  <a:cs typeface="+mn-cs"/>
+                </a:defRPr>
+              </a:lvl4pPr>
+              <a:lvl5pPr marL="1828800" indent="0" algn="ctr" defTabSz="914400" rtl="0" eaLnBrk="1" latinLnBrk="0" hangingPunct="1">
+                <a:spcBef>
+                  <a:spcPct val="20000"/>
+                </a:spcBef>
+                <a:buFont typeface="Arial" pitchFamily="34" charset="0"/>
+                <a:buNone/>
+                <a:defRPr sz="2000" kern="1200">
+                  <a:solidFill>
+                    <a:schemeClr val="tx1">
+                      <a:tint val="75000"/>
+                    </a:schemeClr>
+                  </a:solidFill>
+                  <a:latin typeface="+mn-lt"/>
+                  <a:ea typeface="+mn-ea"/>
+                  <a:cs typeface="+mn-cs"/>
+                </a:defRPr>
+              </a:lvl5pPr>
+              <a:lvl6pPr marL="2286000" indent="0" algn="ctr" defTabSz="914400" rtl="0" eaLnBrk="1" latinLnBrk="0" hangingPunct="1">
+                <a:spcBef>
+                  <a:spcPct val="20000"/>
+                </a:spcBef>
+                <a:buFont typeface="Arial" pitchFamily="34" charset="0"/>
+                <a:buNone/>
+                <a:defRPr sz="2000" kern="1200">
+                  <a:solidFill>
+                    <a:schemeClr val="tx1">
+                      <a:tint val="75000"/>
+                    </a:schemeClr>
+                  </a:solidFill>
+                  <a:latin typeface="+mn-lt"/>
+                  <a:ea typeface="+mn-ea"/>
+                  <a:cs typeface="+mn-cs"/>
+                </a:defRPr>
+              </a:lvl6pPr>
+              <a:lvl7pPr marL="2743200" indent="0" algn="ctr" defTabSz="914400" rtl="0" eaLnBrk="1" latinLnBrk="0" hangingPunct="1">
+                <a:spcBef>
+                  <a:spcPct val="20000"/>
+                </a:spcBef>
+                <a:buFont typeface="Arial" pitchFamily="34" charset="0"/>
+                <a:buNone/>
+                <a:defRPr sz="2000" kern="1200">
+                  <a:solidFill>
+                    <a:schemeClr val="tx1">
+                      <a:tint val="75000"/>
+                    </a:schemeClr>
+                  </a:solidFill>
+                  <a:latin typeface="+mn-lt"/>
+                  <a:ea typeface="+mn-ea"/>
+                  <a:cs typeface="+mn-cs"/>
+                </a:defRPr>
+              </a:lvl7pPr>
+              <a:lvl8pPr marL="3200400" indent="0" algn="ctr" defTabSz="914400" rtl="0" eaLnBrk="1" latinLnBrk="0" hangingPunct="1">
+                <a:spcBef>
+                  <a:spcPct val="20000"/>
+                </a:spcBef>
+                <a:buFont typeface="Arial" pitchFamily="34" charset="0"/>
+                <a:buNone/>
+                <a:defRPr sz="2000" kern="1200">
+                  <a:solidFill>
+                    <a:schemeClr val="tx1">
+                      <a:tint val="75000"/>
+                    </a:schemeClr>
+                  </a:solidFill>
+                  <a:latin typeface="+mn-lt"/>
+                  <a:ea typeface="+mn-ea"/>
+                  <a:cs typeface="+mn-cs"/>
+                </a:defRPr>
+              </a:lvl8pPr>
+              <a:lvl9pPr marL="3657600" indent="0" algn="ctr" defTabSz="914400" rtl="0" eaLnBrk="1" latinLnBrk="0" hangingPunct="1">
+                <a:spcBef>
+                  <a:spcPct val="20000"/>
+                </a:spcBef>
+                <a:buFont typeface="Arial" pitchFamily="34" charset="0"/>
+                <a:buNone/>
+                <a:defRPr sz="2000" kern="1200">
+                  <a:solidFill>
+                    <a:schemeClr val="tx1">
+                      <a:tint val="75000"/>
+                    </a:schemeClr>
+                  </a:solidFill>
+                  <a:latin typeface="+mn-lt"/>
+                  <a:ea typeface="+mn-ea"/>
+                  <a:cs typeface="+mn-cs"/>
+                </a:defRPr>
+              </a:lvl9pPr>
+            </a:lstStyle>
+            <a:p>
+              <a:r>
+                <a:rPr lang="en-US" sz="2700" dirty="0">
+                  <a:solidFill>
+                    <a:schemeClr val="tx1"/>
+                  </a:solidFill>
+                  <a:latin typeface="Calibri" panose="020F0502020204030204" pitchFamily="34" charset="0"/>
+                  <a:ea typeface="Roboto Light" panose="02000000000000000000" pitchFamily="2" charset="0"/>
+                  <a:cs typeface="Roboto Light" panose="02000000000000000000" pitchFamily="2" charset="0"/>
+                </a:rPr>
+                <a:t>NGULAR</a:t>
+              </a:r>
+              <a:r>
+                <a:rPr lang="en-US" sz="2700" dirty="0">
+                  <a:solidFill>
+                    <a:srgbClr val="C00000"/>
+                  </a:solidFill>
+                  <a:latin typeface="Calibri" panose="020F0502020204030204" pitchFamily="34" charset="0"/>
+                  <a:ea typeface="Roboto Light" panose="02000000000000000000" pitchFamily="2" charset="0"/>
+                  <a:cs typeface="Roboto Light" panose="02000000000000000000" pitchFamily="2" charset="0"/>
+                </a:rPr>
+                <a:t>JS</a:t>
+              </a:r>
+              <a:endParaRPr lang="en-US" sz="2700" dirty="0">
+                <a:solidFill>
+                  <a:schemeClr val="tx1"/>
+                </a:solidFill>
+                <a:latin typeface="Calibri" panose="020F0502020204030204" pitchFamily="34" charset="0"/>
+                <a:ea typeface="Roboto Light" panose="02000000000000000000" pitchFamily="2" charset="0"/>
+                <a:cs typeface="Roboto Light" panose="02000000000000000000" pitchFamily="2" charset="0"/>
+              </a:endParaRPr>
+            </a:p>
+          </p:txBody>
+        </p:sp>
+        <p:pic>
+          <p:nvPicPr>
+            <p:cNvPr id="10" name="Picture 9"/>
+            <p:cNvPicPr>
+              <a:picLocks noChangeAspect="1"/>
+            </p:cNvPicPr>
+            <p:nvPr/>
+          </p:nvPicPr>
+          <p:blipFill>
+            <a:blip r:embed="rId3" cstate="print">
+              <a:extLst>
+                <a:ext uri="{28A0092B-C50C-407E-A947-70E740481C1C}">
+                  <a14:useLocalDpi xmlns:a14="http://schemas.microsoft.com/office/drawing/2010/main" val="0"/>
+                </a:ext>
+              </a:extLst>
+            </a:blip>
+            <a:stretch>
+              <a:fillRect/>
+            </a:stretch>
+          </p:blipFill>
+          <p:spPr>
+            <a:xfrm>
+              <a:off x="976312" y="1284918"/>
+              <a:ext cx="925816" cy="981439"/>
+            </a:xfrm>
+            <a:prstGeom prst="rect">
+              <a:avLst/>
+            </a:prstGeom>
+          </p:spPr>
+        </p:pic>
+        <p:sp>
+          <p:nvSpPr>
+            <p:cNvPr id="11" name="Subtitle 2"/>
+            <p:cNvSpPr txBox="1">
+              <a:spLocks/>
+            </p:cNvSpPr>
+            <p:nvPr/>
+          </p:nvSpPr>
+          <p:spPr>
+            <a:xfrm>
+              <a:off x="2544293" y="1905156"/>
+              <a:ext cx="6322695" cy="338554"/>
+            </a:xfrm>
+            <a:prstGeom prst="rect">
+              <a:avLst/>
+            </a:prstGeom>
+          </p:spPr>
+          <p:txBody>
+            <a:bodyPr wrap="square">
+              <a:spAutoFit/>
+            </a:bodyPr>
+            <a:lstStyle>
+              <a:lvl1pPr marL="0" indent="0" algn="l" defTabSz="914400" rtl="0" eaLnBrk="1" latinLnBrk="0" hangingPunct="1">
+                <a:spcBef>
+                  <a:spcPct val="20000"/>
+                </a:spcBef>
+                <a:buFont typeface="Arial" pitchFamily="34" charset="0"/>
+                <a:buNone/>
+                <a:defRPr sz="3200" kern="1200">
+                  <a:solidFill>
+                    <a:schemeClr val="tx1">
+                      <a:tint val="75000"/>
+                    </a:schemeClr>
+                  </a:solidFill>
+                  <a:latin typeface="+mj-lt"/>
+                  <a:ea typeface="+mn-ea"/>
+                  <a:cs typeface="+mn-cs"/>
+                </a:defRPr>
+              </a:lvl1pPr>
+              <a:lvl2pPr marL="457200" indent="0" algn="ctr" defTabSz="914400" rtl="0" eaLnBrk="1" latinLnBrk="0" hangingPunct="1">
+                <a:spcBef>
+                  <a:spcPct val="20000"/>
+                </a:spcBef>
+                <a:buFont typeface="Arial" pitchFamily="34" charset="0"/>
+                <a:buNone/>
+                <a:defRPr sz="2800" kern="1200">
+                  <a:solidFill>
+                    <a:schemeClr val="tx1">
+                      <a:tint val="75000"/>
+                    </a:schemeClr>
+                  </a:solidFill>
+                  <a:latin typeface="+mn-lt"/>
+                  <a:ea typeface="+mn-ea"/>
+                  <a:cs typeface="+mn-cs"/>
+                </a:defRPr>
+              </a:lvl2pPr>
+              <a:lvl3pPr marL="914400" indent="0" algn="ctr" defTabSz="914400" rtl="0" eaLnBrk="1" latinLnBrk="0" hangingPunct="1">
+                <a:spcBef>
+                  <a:spcPct val="20000"/>
+                </a:spcBef>
+                <a:buFont typeface="Arial" pitchFamily="34" charset="0"/>
+                <a:buNone/>
+                <a:defRPr sz="2400" kern="1200">
+                  <a:solidFill>
+                    <a:schemeClr val="tx1">
+                      <a:tint val="75000"/>
+                    </a:schemeClr>
+                  </a:solidFill>
+                  <a:latin typeface="+mn-lt"/>
+                  <a:ea typeface="+mn-ea"/>
+                  <a:cs typeface="+mn-cs"/>
+                </a:defRPr>
+              </a:lvl3pPr>
+              <a:lvl4pPr marL="1371600" indent="0" algn="ctr" defTabSz="914400" rtl="0" eaLnBrk="1" latinLnBrk="0" hangingPunct="1">
+                <a:spcBef>
+                  <a:spcPct val="20000"/>
+                </a:spcBef>
+                <a:buFont typeface="Arial" pitchFamily="34" charset="0"/>
+                <a:buNone/>
+                <a:defRPr sz="2000" kern="1200">
+                  <a:solidFill>
+                    <a:schemeClr val="tx1">
+                      <a:tint val="75000"/>
+                    </a:schemeClr>
+                  </a:solidFill>
+                  <a:latin typeface="+mn-lt"/>
+                  <a:ea typeface="+mn-ea"/>
+                  <a:cs typeface="+mn-cs"/>
+                </a:defRPr>
+              </a:lvl4pPr>
+              <a:lvl5pPr marL="1828800" indent="0" algn="ctr" defTabSz="914400" rtl="0" eaLnBrk="1" latinLnBrk="0" hangingPunct="1">
+                <a:spcBef>
+                  <a:spcPct val="20000"/>
+                </a:spcBef>
+                <a:buFont typeface="Arial" pitchFamily="34" charset="0"/>
+                <a:buNone/>
+                <a:defRPr sz="2000" kern="1200">
+                  <a:solidFill>
+                    <a:schemeClr val="tx1">
+                      <a:tint val="75000"/>
+                    </a:schemeClr>
+                  </a:solidFill>
+                  <a:latin typeface="+mn-lt"/>
+                  <a:ea typeface="+mn-ea"/>
+                  <a:cs typeface="+mn-cs"/>
+                </a:defRPr>
+              </a:lvl5pPr>
+              <a:lvl6pPr marL="2286000" indent="0" algn="ctr" defTabSz="914400" rtl="0" eaLnBrk="1" latinLnBrk="0" hangingPunct="1">
+                <a:spcBef>
+                  <a:spcPct val="20000"/>
+                </a:spcBef>
+                <a:buFont typeface="Arial" pitchFamily="34" charset="0"/>
+                <a:buNone/>
+                <a:defRPr sz="2000" kern="1200">
+                  <a:solidFill>
+                    <a:schemeClr val="tx1">
+                      <a:tint val="75000"/>
+                    </a:schemeClr>
+                  </a:solidFill>
+                  <a:latin typeface="+mn-lt"/>
+                  <a:ea typeface="+mn-ea"/>
+                  <a:cs typeface="+mn-cs"/>
+                </a:defRPr>
+              </a:lvl6pPr>
+              <a:lvl7pPr marL="2743200" indent="0" algn="ctr" defTabSz="914400" rtl="0" eaLnBrk="1" latinLnBrk="0" hangingPunct="1">
+                <a:spcBef>
+                  <a:spcPct val="20000"/>
+                </a:spcBef>
+                <a:buFont typeface="Arial" pitchFamily="34" charset="0"/>
+                <a:buNone/>
+                <a:defRPr sz="2000" kern="1200">
+                  <a:solidFill>
+                    <a:schemeClr val="tx1">
+                      <a:tint val="75000"/>
+                    </a:schemeClr>
+                  </a:solidFill>
+                  <a:latin typeface="+mn-lt"/>
+                  <a:ea typeface="+mn-ea"/>
+                  <a:cs typeface="+mn-cs"/>
+                </a:defRPr>
+              </a:lvl7pPr>
+              <a:lvl8pPr marL="3200400" indent="0" algn="ctr" defTabSz="914400" rtl="0" eaLnBrk="1" latinLnBrk="0" hangingPunct="1">
+                <a:spcBef>
+                  <a:spcPct val="20000"/>
+                </a:spcBef>
+                <a:buFont typeface="Arial" pitchFamily="34" charset="0"/>
+                <a:buNone/>
+                <a:defRPr sz="2000" kern="1200">
+                  <a:solidFill>
+                    <a:schemeClr val="tx1">
+                      <a:tint val="75000"/>
+                    </a:schemeClr>
+                  </a:solidFill>
+                  <a:latin typeface="+mn-lt"/>
+                  <a:ea typeface="+mn-ea"/>
+                  <a:cs typeface="+mn-cs"/>
+                </a:defRPr>
+              </a:lvl8pPr>
+              <a:lvl9pPr marL="3657600" indent="0" algn="ctr" defTabSz="914400" rtl="0" eaLnBrk="1" latinLnBrk="0" hangingPunct="1">
+                <a:spcBef>
+                  <a:spcPct val="20000"/>
+                </a:spcBef>
+                <a:buFont typeface="Arial" pitchFamily="34" charset="0"/>
+                <a:buNone/>
+                <a:defRPr sz="2000" kern="1200">
+                  <a:solidFill>
+                    <a:schemeClr val="tx1">
+                      <a:tint val="75000"/>
+                    </a:schemeClr>
+                  </a:solidFill>
+                  <a:latin typeface="+mn-lt"/>
+                  <a:ea typeface="+mn-ea"/>
+                  <a:cs typeface="+mn-cs"/>
+                </a:defRPr>
+              </a:lvl9pPr>
+            </a:lstStyle>
+            <a:p>
+              <a:r>
+                <a:rPr lang="en-US" sz="1600" dirty="0">
+                  <a:solidFill>
+                    <a:schemeClr val="tx1"/>
+                  </a:solidFill>
+                  <a:latin typeface="Calibri" panose="020F0502020204030204" pitchFamily="34" charset="0"/>
+                  <a:ea typeface="Roboto Light" panose="02000000000000000000" pitchFamily="2" charset="0"/>
+                  <a:cs typeface="Roboto Light" panose="02000000000000000000" pitchFamily="2" charset="0"/>
+                </a:rPr>
+                <a:t>by Google</a:t>
+              </a:r>
+            </a:p>
+          </p:txBody>
+        </p:sp>
+      </p:grpSp>
     </p:spTree>
     <p:extLst>
       <p:ext uri="{BB962C8B-B14F-4D97-AF65-F5344CB8AC3E}">
@@ -2616,7 +2832,7 @@
         <p:spPr>
           <a:xfrm>
             <a:off x="683568" y="1412776"/>
-            <a:ext cx="7992888" cy="5016758"/>
+            <a:ext cx="7992888" cy="4247317"/>
           </a:xfrm>
           <a:prstGeom prst="rect">
             <a:avLst/>
@@ -2630,74 +2846,74 @@
           <a:lstStyle/>
           <a:p>
             <a:r>
-              <a:rPr lang="ru-RU" sz="2000" dirty="0">
+              <a:rPr lang="ru-RU" dirty="0">
                 <a:latin typeface="Calibri" pitchFamily="34" charset="0"/>
               </a:rPr>
               <a:t>Контроллер (MV</a:t>
             </a:r>
             <a:r>
-              <a:rPr lang="ru-RU" sz="2000" b="1" dirty="0">
+              <a:rPr lang="ru-RU" b="1" dirty="0">
                 <a:latin typeface="Calibri" pitchFamily="34" charset="0"/>
               </a:rPr>
               <a:t>C</a:t>
             </a:r>
             <a:r>
-              <a:rPr lang="ru-RU" sz="2000" dirty="0">
+              <a:rPr lang="ru-RU" dirty="0">
                 <a:latin typeface="Calibri" pitchFamily="34" charset="0"/>
               </a:rPr>
               <a:t>)–логика приложения, соединяет представление и модель.  </a:t>
             </a:r>
           </a:p>
           <a:p>
-            <a:endParaRPr lang="en-US" sz="2000" dirty="0">
+            <a:endParaRPr lang="en-US" dirty="0">
               <a:latin typeface="Calibri" pitchFamily="34" charset="0"/>
             </a:endParaRPr>
           </a:p>
           <a:p>
-            <a:endParaRPr lang="ru-RU" sz="2000" dirty="0">
+            <a:endParaRPr lang="ru-RU" dirty="0">
               <a:latin typeface="Calibri" pitchFamily="34" charset="0"/>
             </a:endParaRPr>
           </a:p>
           <a:p>
             <a:r>
-              <a:rPr lang="ru-RU" sz="2000" dirty="0">
+              <a:rPr lang="ru-RU" dirty="0">
                 <a:latin typeface="Calibri" pitchFamily="34" charset="0"/>
               </a:rPr>
               <a:t>Контроллер </a:t>
             </a:r>
             <a:r>
-              <a:rPr lang="ru-RU" sz="2000" b="1" dirty="0">
+              <a:rPr lang="ru-RU" b="1" dirty="0">
                 <a:latin typeface="Calibri" pitchFamily="34" charset="0"/>
               </a:rPr>
               <a:t>должен</a:t>
             </a:r>
             <a:r>
-              <a:rPr lang="ru-RU" sz="2000" dirty="0">
+              <a:rPr lang="ru-RU" dirty="0">
                 <a:latin typeface="Calibri" pitchFamily="34" charset="0"/>
               </a:rPr>
               <a:t>:</a:t>
             </a:r>
           </a:p>
           <a:p>
-            <a:endParaRPr lang="ru-RU" sz="2000" dirty="0">
+            <a:endParaRPr lang="ru-RU" dirty="0">
               <a:latin typeface="Calibri" pitchFamily="34" charset="0"/>
             </a:endParaRPr>
           </a:p>
           <a:p>
             <a:r>
-              <a:rPr lang="ru-RU" sz="2000" dirty="0">
+              <a:rPr lang="ru-RU" dirty="0">
                 <a:latin typeface="Calibri" pitchFamily="34" charset="0"/>
               </a:rPr>
               <a:t>•Содержать логику инициализирующую </a:t>
             </a:r>
             <a:r>
-              <a:rPr lang="ru-RU" sz="2000" dirty="0" err="1">
+              <a:rPr lang="ru-RU" dirty="0" err="1">
                 <a:latin typeface="Calibri" pitchFamily="34" charset="0"/>
               </a:rPr>
               <a:t>scope</a:t>
             </a:r>
             <a:r>
-              <a:rPr lang="ru-RU" sz="2000" dirty="0">
+              <a:rPr lang="ru-RU" dirty="0">
                 <a:latin typeface="Calibri" pitchFamily="34" charset="0"/>
               </a:rPr>
               <a:t>.</a:t>
@@ -2705,19 +2921,19 @@
           </a:p>
           <a:p>
             <a:r>
-              <a:rPr lang="ru-RU" sz="2000" dirty="0">
+              <a:rPr lang="ru-RU" dirty="0">
                 <a:latin typeface="Calibri" pitchFamily="34" charset="0"/>
               </a:rPr>
               <a:t>•Содержать логику/</a:t>
             </a:r>
             <a:r>
-              <a:rPr lang="ru-RU" sz="2000" dirty="0" err="1">
+              <a:rPr lang="ru-RU" dirty="0" err="1">
                 <a:latin typeface="Calibri" pitchFamily="34" charset="0"/>
               </a:rPr>
               <a:t>behaviors</a:t>
             </a:r>
             <a:r>
-              <a:rPr lang="ru-RU" sz="2000" dirty="0">
+              <a:rPr lang="ru-RU" dirty="0">
                 <a:latin typeface="Calibri" pitchFamily="34" charset="0"/>
               </a:rPr>
               <a:t> необходимую представлению для отображения данных.</a:t>
@@ -2725,44 +2941,44 @@
           </a:p>
           <a:p>
             <a:r>
-              <a:rPr lang="ru-RU" sz="2000" dirty="0">
+              <a:rPr lang="ru-RU" dirty="0">
                 <a:latin typeface="Calibri" pitchFamily="34" charset="0"/>
               </a:rPr>
               <a:t>•Содержать логику/</a:t>
             </a:r>
             <a:r>
-              <a:rPr lang="ru-RU" sz="2000" dirty="0" err="1">
+              <a:rPr lang="ru-RU" dirty="0" err="1">
                 <a:latin typeface="Calibri" pitchFamily="34" charset="0"/>
               </a:rPr>
               <a:t>behaviors</a:t>
             </a:r>
             <a:r>
-              <a:rPr lang="ru-RU" sz="2000" dirty="0">
+              <a:rPr lang="ru-RU" dirty="0">
                 <a:latin typeface="Calibri" pitchFamily="34" charset="0"/>
               </a:rPr>
               <a:t> необходимую для обновления данных на основе действий пользователя</a:t>
             </a:r>
           </a:p>
           <a:p>
-            <a:endParaRPr lang="ru-RU" sz="2000" dirty="0">
+            <a:endParaRPr lang="ru-RU" dirty="0">
               <a:latin typeface="Calibri" pitchFamily="34" charset="0"/>
             </a:endParaRPr>
           </a:p>
           <a:p>
             <a:r>
-              <a:rPr lang="ru-RU" sz="2000" dirty="0">
+              <a:rPr lang="ru-RU" dirty="0">
                 <a:latin typeface="Calibri" pitchFamily="34" charset="0"/>
               </a:rPr>
               <a:t>Контроллер </a:t>
             </a:r>
             <a:r>
-              <a:rPr lang="ru-RU" sz="2000" b="1" dirty="0">
+              <a:rPr lang="ru-RU" b="1" dirty="0">
                 <a:latin typeface="Calibri" pitchFamily="34" charset="0"/>
               </a:rPr>
               <a:t>не должен</a:t>
             </a:r>
             <a:r>
-              <a:rPr lang="ru-RU" sz="2000" dirty="0">
+              <a:rPr lang="ru-RU" dirty="0">
                 <a:latin typeface="Calibri" pitchFamily="34" charset="0"/>
               </a:rPr>
               <a:t>:</a:t>
@@ -2770,7 +2986,7 @@
           </a:p>
           <a:p>
             <a:r>
-              <a:rPr lang="ru-RU" sz="2000" dirty="0">
+              <a:rPr lang="ru-RU" dirty="0">
                 <a:latin typeface="Calibri" pitchFamily="34" charset="0"/>
               </a:rPr>
               <a:t>•Содержать логику, которая манипулирует DOM</a:t>
@@ -2778,7 +2994,7 @@
           </a:p>
           <a:p>
             <a:r>
-              <a:rPr lang="ru-RU" sz="2000" dirty="0">
+              <a:rPr lang="ru-RU" dirty="0">
                 <a:latin typeface="Calibri" pitchFamily="34" charset="0"/>
               </a:rPr>
               <a:t>•Содержать логику, которая управляет сохранением данных (это задача модели)</a:t>
@@ -2875,7 +3091,7 @@
         <p:spPr>
           <a:xfrm>
             <a:off x="683568" y="1412776"/>
-            <a:ext cx="7992888" cy="2862322"/>
+            <a:ext cx="7992888" cy="2308324"/>
           </a:xfrm>
           <a:prstGeom prst="rect">
             <a:avLst/>
@@ -2889,80 +3105,80 @@
           <a:lstStyle/>
           <a:p>
             <a:r>
-              <a:rPr lang="en-US" sz="2000" b="1" dirty="0">
+              <a:rPr lang="en-US" b="1" dirty="0">
                 <a:latin typeface="Calibri" pitchFamily="34" charset="0"/>
               </a:rPr>
               <a:t>S</a:t>
             </a:r>
             <a:r>
-              <a:rPr lang="ru-RU" sz="2000" b="1" dirty="0" err="1">
+              <a:rPr lang="ru-RU" b="1" dirty="0" err="1">
                 <a:latin typeface="Calibri" pitchFamily="34" charset="0"/>
               </a:rPr>
               <a:t>cope</a:t>
             </a:r>
             <a:r>
-              <a:rPr lang="ru-RU" sz="2000" dirty="0">
+              <a:rPr lang="ru-RU" dirty="0">
                 <a:latin typeface="Calibri" pitchFamily="34" charset="0"/>
               </a:rPr>
               <a:t>–объект, который позволяет связать пользовательский интерфейс с контроллером.</a:t>
             </a:r>
             <a:r>
-              <a:rPr lang="en-US" sz="2000" dirty="0">
+              <a:rPr lang="en-US" dirty="0">
                 <a:latin typeface="Calibri" pitchFamily="34" charset="0"/>
               </a:rPr>
               <a:t> </a:t>
             </a:r>
           </a:p>
           <a:p>
-            <a:endParaRPr lang="ru-RU" sz="2000" dirty="0">
+            <a:endParaRPr lang="ru-RU" dirty="0">
               <a:latin typeface="Calibri" pitchFamily="34" charset="0"/>
             </a:endParaRPr>
           </a:p>
           <a:p>
             <a:r>
-              <a:rPr lang="ru-RU" sz="2000" dirty="0" err="1">
+              <a:rPr lang="ru-RU" dirty="0" err="1">
                 <a:latin typeface="Calibri" pitchFamily="34" charset="0"/>
               </a:rPr>
               <a:t>Scope</a:t>
             </a:r>
             <a:r>
-              <a:rPr lang="ru-RU" sz="2000" dirty="0">
+              <a:rPr lang="ru-RU" dirty="0">
                 <a:latin typeface="Calibri" pitchFamily="34" charset="0"/>
               </a:rPr>
               <a:t> организовываются в иерархическую структуру, в котором корневым элементом выступает </a:t>
             </a:r>
             <a:r>
-              <a:rPr lang="ru-RU" sz="2000" b="1" dirty="0">
+              <a:rPr lang="ru-RU" b="1" dirty="0">
                 <a:latin typeface="Calibri" pitchFamily="34" charset="0"/>
               </a:rPr>
               <a:t>$</a:t>
             </a:r>
             <a:r>
-              <a:rPr lang="ru-RU" sz="2000" b="1" dirty="0" err="1">
+              <a:rPr lang="ru-RU" b="1" dirty="0" err="1">
                 <a:latin typeface="Calibri" pitchFamily="34" charset="0"/>
               </a:rPr>
               <a:t>rootScope</a:t>
             </a:r>
             <a:r>
-              <a:rPr lang="ru-RU" sz="2000" dirty="0">
+              <a:rPr lang="ru-RU" dirty="0">
                 <a:latin typeface="Calibri" pitchFamily="34" charset="0"/>
               </a:rPr>
               <a:t>. Дочерние элементы формируются на основе созданных контроллеров в соответствии с размещением в DOM дереве.</a:t>
             </a:r>
             <a:r>
-              <a:rPr lang="en-US" sz="2000" dirty="0">
+              <a:rPr lang="en-US" dirty="0">
                 <a:latin typeface="Calibri" pitchFamily="34" charset="0"/>
               </a:rPr>
               <a:t> </a:t>
             </a:r>
           </a:p>
           <a:p>
-            <a:endParaRPr lang="en-US" sz="2000" dirty="0">
+            <a:endParaRPr lang="en-US" dirty="0">
               <a:latin typeface="Calibri" pitchFamily="34" charset="0"/>
             </a:endParaRPr>
           </a:p>
           <a:p>
-            <a:endParaRPr lang="ru-RU" sz="2000" dirty="0">
+            <a:endParaRPr lang="ru-RU" dirty="0">
               <a:latin typeface="Calibri" pitchFamily="34" charset="0"/>
             </a:endParaRPr>
           </a:p>
@@ -3214,8 +3430,8 @@
         </p:nvSpPr>
         <p:spPr>
           <a:xfrm>
-            <a:off x="1691680" y="3645024"/>
-            <a:ext cx="5904656" cy="2862322"/>
+            <a:off x="457200" y="3645024"/>
+            <a:ext cx="8075240" cy="2862322"/>
           </a:xfrm>
           <a:prstGeom prst="rect">
             <a:avLst/>
@@ -3261,14 +3477,6 @@
             </a:r>
           </a:p>
           <a:p>
-            <a:r>
-              <a:rPr lang="ru-RU" dirty="0">
-                <a:latin typeface="Calibri" pitchFamily="34" charset="0"/>
-              </a:rPr>
-              <a:t>Для привязки используется: </a:t>
-            </a:r>
-          </a:p>
-          <a:p>
             <a:endParaRPr lang="ru-RU" dirty="0">
               <a:latin typeface="Calibri" pitchFamily="34" charset="0"/>
             </a:endParaRPr>
@@ -3278,14 +3486,10 @@
               <a:rPr lang="ru-RU" dirty="0">
                 <a:latin typeface="Calibri" pitchFamily="34" charset="0"/>
               </a:rPr>
-              <a:t>директивы </a:t>
-            </a:r>
-            <a:r>
-              <a:rPr lang="ru-RU" b="1" dirty="0" err="1">
-                <a:latin typeface="Calibri" pitchFamily="34" charset="0"/>
-              </a:rPr>
-              <a:t>ng-bind</a:t>
-            </a:r>
+              <a:t>Для привязки используется: </a:t>
+            </a:r>
+          </a:p>
+          <a:p>
             <a:endParaRPr lang="ru-RU" dirty="0">
               <a:latin typeface="Calibri" pitchFamily="34" charset="0"/>
             </a:endParaRPr>
@@ -3295,36 +3499,68 @@
               <a:rPr lang="ru-RU" dirty="0">
                 <a:latin typeface="Calibri" pitchFamily="34" charset="0"/>
               </a:rPr>
+              <a:t>директивы </a:t>
+            </a:r>
+            <a:r>
+              <a:rPr lang="ru-RU" dirty="0" err="1">
+                <a:solidFill>
+                  <a:srgbClr val="FF0000"/>
+                </a:solidFill>
+                <a:latin typeface="Calibri" pitchFamily="34" charset="0"/>
+              </a:rPr>
+              <a:t>ng-bind</a:t>
+            </a:r>
+            <a:r>
+              <a:rPr lang="ru-RU" dirty="0">
+                <a:solidFill>
+                  <a:srgbClr val="FF0000"/>
+                </a:solidFill>
+                <a:latin typeface="Calibri" pitchFamily="34" charset="0"/>
+              </a:rPr>
+              <a:t>.</a:t>
+            </a:r>
+          </a:p>
+          <a:p>
+            <a:r>
+              <a:rPr lang="ru-RU" dirty="0">
+                <a:latin typeface="Calibri" pitchFamily="34" charset="0"/>
+              </a:rPr>
               <a:t>или </a:t>
             </a:r>
             <a:r>
+              <a:rPr lang="ru-RU" dirty="0" err="1">
+                <a:solidFill>
+                  <a:srgbClr val="FF0000"/>
+                </a:solidFill>
+                <a:latin typeface="Calibri" pitchFamily="34" charset="0"/>
+              </a:rPr>
+              <a:t>ng-bind-template</a:t>
+            </a:r>
+            <a:r>
+              <a:rPr lang="ru-RU" dirty="0">
+                <a:latin typeface="Calibri" pitchFamily="34" charset="0"/>
+              </a:rPr>
+              <a:t>.</a:t>
+            </a:r>
+          </a:p>
+          <a:p>
+            <a:r>
+              <a:rPr lang="ru-RU" dirty="0">
+                <a:latin typeface="Calibri" pitchFamily="34" charset="0"/>
+              </a:rPr>
+              <a:t>выражение </a:t>
+            </a:r>
+            <a:r>
+              <a:rPr lang="ru-RU" b="1" dirty="0">
+                <a:latin typeface="Calibri" pitchFamily="34" charset="0"/>
+              </a:rPr>
+              <a:t>{{ </a:t>
+            </a:r>
+            <a:r>
               <a:rPr lang="ru-RU" b="1" dirty="0" err="1">
-                <a:latin typeface="Calibri" pitchFamily="34" charset="0"/>
-              </a:rPr>
-              <a:t>ng-bind-template</a:t>
-            </a:r>
-            <a:r>
-              <a:rPr lang="ru-RU" dirty="0">
-                <a:latin typeface="Calibri" pitchFamily="34" charset="0"/>
-              </a:rPr>
-              <a:t>.</a:t>
-            </a:r>
-          </a:p>
-          <a:p>
-            <a:r>
-              <a:rPr lang="ru-RU" dirty="0">
-                <a:latin typeface="Calibri" pitchFamily="34" charset="0"/>
-              </a:rPr>
-              <a:t>выражение </a:t>
-            </a:r>
-            <a:r>
-              <a:rPr lang="ru-RU" b="1" dirty="0">
-                <a:latin typeface="Calibri" pitchFamily="34" charset="0"/>
-              </a:rPr>
-              <a:t>{{ </a:t>
-            </a:r>
-            <a:r>
-              <a:rPr lang="ru-RU" b="1" dirty="0" err="1">
+                <a:solidFill>
+                  <a:srgbClr val="C00000"/>
+                </a:solidFill>
                 <a:latin typeface="Calibri" pitchFamily="34" charset="0"/>
               </a:rPr>
               <a:t>expression</a:t>
@@ -3480,7 +3716,10 @@
               <a:t>директива </a:t>
             </a:r>
             <a:r>
-              <a:rPr lang="ru-RU" b="1" dirty="0" err="1">
+              <a:rPr lang="ru-RU" dirty="0" err="1">
+                <a:solidFill>
+                  <a:srgbClr val="FF0000"/>
+                </a:solidFill>
                 <a:latin typeface="Calibri" pitchFamily="34" charset="0"/>
               </a:rPr>
               <a:t>ng-model</a:t>
@@ -3504,7 +3743,7 @@
               <a:rPr lang="ru-RU" dirty="0">
                 <a:latin typeface="Calibri" pitchFamily="34" charset="0"/>
               </a:rPr>
-              <a:t>Двусторонняя привязка может быть применена только к элементам управления, которые </a:t>
+              <a:t>Двунаправленная привязка может быть применена только к элементам управления, которые </a:t>
             </a:r>
             <a:r>
               <a:rPr lang="ru-RU" i="1" dirty="0">
